--- a/test/ShapeCrawler.Tests.Unit/Assets/pictures/pictures-case002.pptx
+++ b/test/ShapeCrawler.Tests.Unit/Assets/pictures/pictures-case002.pptx
@@ -104,6 +104,11 @@
       </a:defRPr>
     </a:lvl9pPr>
   </p:defaultTextStyle>
+  <p:extLst>
+    <p:ext uri="{EFAFB233-063F-42B5-8137-9DF3F51BA10A}">
+      <p15:sldGuideLst xmlns:p15="http://schemas.microsoft.com/office/powerpoint/2012/main"/>
+    </p:ext>
+  </p:extLst>
 </p:presentation>
 </file>
 
@@ -254,7 +259,7 @@
           <a:p>
             <a:fld id="{4AB1CD3A-BFC3-40B7-BDE1-A006A26616A7}" type="datetimeFigureOut">
               <a:rPr lang="en-US" smtClean="0"/>
-              <a:t>11/2/2022</a:t>
+              <a:t>21-Nov-24</a:t>
             </a:fld>
             <a:endParaRPr lang="en-US"/>
           </a:p>
@@ -452,7 +457,7 @@
           <a:p>
             <a:fld id="{4AB1CD3A-BFC3-40B7-BDE1-A006A26616A7}" type="datetimeFigureOut">
               <a:rPr lang="en-US" smtClean="0"/>
-              <a:t>11/2/2022</a:t>
+              <a:t>21-Nov-24</a:t>
             </a:fld>
             <a:endParaRPr lang="en-US"/>
           </a:p>
@@ -660,7 +665,7 @@
           <a:p>
             <a:fld id="{4AB1CD3A-BFC3-40B7-BDE1-A006A26616A7}" type="datetimeFigureOut">
               <a:rPr lang="en-US" smtClean="0"/>
-              <a:t>11/2/2022</a:t>
+              <a:t>21-Nov-24</a:t>
             </a:fld>
             <a:endParaRPr lang="en-US"/>
           </a:p>
@@ -858,7 +863,7 @@
           <a:p>
             <a:fld id="{4AB1CD3A-BFC3-40B7-BDE1-A006A26616A7}" type="datetimeFigureOut">
               <a:rPr lang="en-US" smtClean="0"/>
-              <a:t>11/2/2022</a:t>
+              <a:t>21-Nov-24</a:t>
             </a:fld>
             <a:endParaRPr lang="en-US"/>
           </a:p>
@@ -1133,7 +1138,7 @@
           <a:p>
             <a:fld id="{4AB1CD3A-BFC3-40B7-BDE1-A006A26616A7}" type="datetimeFigureOut">
               <a:rPr lang="en-US" smtClean="0"/>
-              <a:t>11/2/2022</a:t>
+              <a:t>21-Nov-24</a:t>
             </a:fld>
             <a:endParaRPr lang="en-US"/>
           </a:p>
@@ -1398,7 +1403,7 @@
           <a:p>
             <a:fld id="{4AB1CD3A-BFC3-40B7-BDE1-A006A26616A7}" type="datetimeFigureOut">
               <a:rPr lang="en-US" smtClean="0"/>
-              <a:t>11/2/2022</a:t>
+              <a:t>21-Nov-24</a:t>
             </a:fld>
             <a:endParaRPr lang="en-US"/>
           </a:p>
@@ -1810,7 +1815,7 @@
           <a:p>
             <a:fld id="{4AB1CD3A-BFC3-40B7-BDE1-A006A26616A7}" type="datetimeFigureOut">
               <a:rPr lang="en-US" smtClean="0"/>
-              <a:t>11/2/2022</a:t>
+              <a:t>21-Nov-24</a:t>
             </a:fld>
             <a:endParaRPr lang="en-US"/>
           </a:p>
@@ -1951,7 +1956,7 @@
           <a:p>
             <a:fld id="{4AB1CD3A-BFC3-40B7-BDE1-A006A26616A7}" type="datetimeFigureOut">
               <a:rPr lang="en-US" smtClean="0"/>
-              <a:t>11/2/2022</a:t>
+              <a:t>21-Nov-24</a:t>
             </a:fld>
             <a:endParaRPr lang="en-US"/>
           </a:p>
@@ -2064,7 +2069,7 @@
           <a:p>
             <a:fld id="{4AB1CD3A-BFC3-40B7-BDE1-A006A26616A7}" type="datetimeFigureOut">
               <a:rPr lang="en-US" smtClean="0"/>
-              <a:t>11/2/2022</a:t>
+              <a:t>21-Nov-24</a:t>
             </a:fld>
             <a:endParaRPr lang="en-US"/>
           </a:p>
@@ -2375,7 +2380,7 @@
           <a:p>
             <a:fld id="{4AB1CD3A-BFC3-40B7-BDE1-A006A26616A7}" type="datetimeFigureOut">
               <a:rPr lang="en-US" smtClean="0"/>
-              <a:t>11/2/2022</a:t>
+              <a:t>21-Nov-24</a:t>
             </a:fld>
             <a:endParaRPr lang="en-US"/>
           </a:p>
@@ -2663,7 +2668,7 @@
           <a:p>
             <a:fld id="{4AB1CD3A-BFC3-40B7-BDE1-A006A26616A7}" type="datetimeFigureOut">
               <a:rPr lang="en-US" smtClean="0"/>
-              <a:t>11/2/2022</a:t>
+              <a:t>21-Nov-24</a:t>
             </a:fld>
             <a:endParaRPr lang="en-US"/>
           </a:p>
@@ -2904,7 +2909,7 @@
           <a:p>
             <a:fld id="{4AB1CD3A-BFC3-40B7-BDE1-A006A26616A7}" type="datetimeFigureOut">
               <a:rPr lang="en-US" smtClean="0"/>
-              <a:t>11/2/2022</a:t>
+              <a:t>21-Nov-24</a:t>
             </a:fld>
             <a:endParaRPr lang="en-US"/>
           </a:p>
@@ -3360,6 +3365,81 @@
           </a:prstGeom>
         </p:spPr>
       </p:pic>
+      <p:sp>
+        <p:nvSpPr>
+          <p:cNvPr id="2" name="TextBox 1">
+            <a:extLst>
+              <a:ext uri="{FF2B5EF4-FFF2-40B4-BE49-F238E27FC236}">
+                <a16:creationId xmlns:a16="http://schemas.microsoft.com/office/drawing/2014/main" id="{0CE0546C-D306-3F53-D3AF-438C01DC1000}"/>
+              </a:ext>
+            </a:extLst>
+          </p:cNvPr>
+          <p:cNvSpPr txBox="1"/>
+          <p:nvPr/>
+        </p:nvSpPr>
+        <p:spPr>
+          <a:xfrm>
+            <a:off x="3308350" y="927100"/>
+            <a:ext cx="565348" cy="369332"/>
+          </a:xfrm>
+          <a:prstGeom prst="rect">
+            <a:avLst/>
+          </a:prstGeom>
+          <a:noFill/>
+        </p:spPr>
+        <p:txBody>
+          <a:bodyPr wrap="none" rtlCol="0">
+            <a:spAutoFit/>
+          </a:bodyPr>
+          <a:lstStyle/>
+          <a:p>
+            <a:r>
+              <a:rPr lang="en-US" dirty="0"/>
+              <a:t>Text</a:t>
+            </a:r>
+            <a:endParaRPr lang="LID4096" dirty="0"/>
+          </a:p>
+        </p:txBody>
+      </p:sp>
+      <p:pic>
+        <p:nvPicPr>
+          <p:cNvPr id="3" name="Picture 2">
+            <a:extLst>
+              <a:ext uri="{FF2B5EF4-FFF2-40B4-BE49-F238E27FC236}">
+                <a16:creationId xmlns:a16="http://schemas.microsoft.com/office/drawing/2014/main" id="{FC2EA354-4FE4-AE60-BF6C-12D1A07ED514}"/>
+              </a:ext>
+            </a:extLst>
+          </p:cNvPr>
+          <p:cNvPicPr>
+            <a:picLocks noChangeAspect="1"/>
+          </p:cNvPicPr>
+          <p:nvPr/>
+        </p:nvPicPr>
+        <p:blipFill>
+          <a:blip r:embed="rId2">
+            <a:extLst>
+              <a:ext uri="{28A0092B-C50C-407E-A947-70E740481C1C}">
+                <a14:useLocalDpi xmlns:a14="http://schemas.microsoft.com/office/drawing/2010/main" val="0"/>
+              </a:ext>
+              <a:ext uri="{96DAC541-7B7A-43D3-8B79-37D633B846F1}">
+                <asvg:svgBlip xmlns:asvg="http://schemas.microsoft.com/office/drawing/2016/SVG/main" r:embed="rId3"/>
+              </a:ext>
+            </a:extLst>
+          </a:blip>
+          <a:stretch>
+            <a:fillRect/>
+          </a:stretch>
+        </p:blipFill>
+        <p:spPr>
+          <a:xfrm>
+            <a:off x="2995996" y="397391"/>
+            <a:ext cx="1428750" cy="1428750"/>
+          </a:xfrm>
+          <a:prstGeom prst="rect">
+            <a:avLst/>
+          </a:prstGeom>
+        </p:spPr>
+      </p:pic>
     </p:spTree>
     <p:extLst>
       <p:ext uri="{BB962C8B-B14F-4D97-AF65-F5344CB8AC3E}">
